--- a/slides/week-5.pptx
+++ b/slides/week-5.pptx
@@ -274,7 +274,7 @@
           <a:p>
             <a:fld id="{9DF1E2B5-E2EB-4EC2-87FD-109C36CA9EDC}" type="datetimeFigureOut">
               <a:rPr lang="en-US" smtClean="0"/>
-              <a:t>12/11/2017</a:t>
+              <a:t>3/29/2018</a:t>
             </a:fld>
             <a:endParaRPr lang="en-US"/>
           </a:p>
@@ -932,7 +932,7 @@
           <a:p>
             <a:fld id="{1D8BD707-D9CF-40AE-B4C6-C98DA3205C09}" type="datetimeFigureOut">
               <a:rPr lang="en-US"/>
-              <a:t>12/11/2017</a:t>
+              <a:t>3/29/2018</a:t>
             </a:fld>
             <a:endParaRPr lang="en-US"/>
           </a:p>
@@ -1115,7 +1115,7 @@
           <a:p>
             <a:fld id="{1D8BD707-D9CF-40AE-B4C6-C98DA3205C09}" type="datetimeFigureOut">
               <a:rPr lang="en-US"/>
-              <a:t>12/11/2017</a:t>
+              <a:t>3/29/2018</a:t>
             </a:fld>
             <a:endParaRPr lang="en-US"/>
           </a:p>
@@ -1335,7 +1335,7 @@
           <a:p>
             <a:fld id="{1D8BD707-D9CF-40AE-B4C6-C98DA3205C09}" type="datetimeFigureOut">
               <a:rPr lang="en-US"/>
-              <a:t>12/11/2017</a:t>
+              <a:t>3/29/2018</a:t>
             </a:fld>
             <a:endParaRPr lang="en-US"/>
           </a:p>
@@ -1547,7 +1547,7 @@
           <a:p>
             <a:fld id="{1D8BD707-D9CF-40AE-B4C6-C98DA3205C09}" type="datetimeFigureOut">
               <a:rPr lang="en-US"/>
-              <a:t>12/11/2017</a:t>
+              <a:t>3/29/2018</a:t>
             </a:fld>
             <a:endParaRPr lang="en-US"/>
           </a:p>
@@ -1672,7 +1672,7 @@
           <a:p>
             <a:fld id="{1D8BD707-D9CF-40AE-B4C6-C98DA3205C09}" type="datetimeFigureOut">
               <a:rPr lang="en-US"/>
-              <a:t>12/11/2017</a:t>
+              <a:t>3/29/2018</a:t>
             </a:fld>
             <a:endParaRPr lang="en-US"/>
           </a:p>
@@ -1903,7 +1903,7 @@
           <a:p>
             <a:fld id="{1D8BD707-D9CF-40AE-B4C6-C98DA3205C09}" type="datetimeFigureOut">
               <a:rPr lang="en-US"/>
-              <a:t>12/11/2017</a:t>
+              <a:t>3/29/2018</a:t>
             </a:fld>
             <a:endParaRPr lang="en-US"/>
           </a:p>
@@ -3620,7 +3620,7 @@
         <p:spPr>
           <a:xfrm>
             <a:off x="3937000" y="406400"/>
-            <a:ext cx="5128260" cy="761365"/>
+            <a:ext cx="5128260" cy="769441"/>
           </a:xfrm>
           <a:prstGeom prst="rect">
             <a:avLst/>
@@ -3638,8 +3638,7 @@
               </a:lnSpc>
             </a:pPr>
             <a:r>
-              <a:rPr dirty="0"/>
-              <a:t>3 web </a:t>
+              <a:t>web </a:t>
             </a:r>
             <a:r>
               <a:rPr spc="-55" dirty="0"/>
@@ -16832,7 +16831,17 @@
                 <a:latin typeface="Consolas"/>
                 <a:cs typeface="Consolas"/>
               </a:rPr>
-              <a:t>.kittens</a:t>
+              <a:t>.tower-of-</a:t>
+            </a:r>
+            <a:r>
+              <a:rPr lang="en-US" sz="3200" dirty="0" err="1">
+                <a:solidFill>
+                  <a:srgbClr val="7F007F"/>
+                </a:solidFill>
+                <a:latin typeface="Consolas"/>
+                <a:cs typeface="Consolas"/>
+              </a:rPr>
+              <a:t>pisa</a:t>
             </a:r>
             <a:r>
               <a:rPr lang="en-US" sz="3200" dirty="0">
@@ -21967,7 +21976,7 @@
         <p:spPr>
           <a:xfrm>
             <a:off x="1701800" y="2514600"/>
-            <a:ext cx="9677400" cy="5791329"/>
+            <a:ext cx="9677400" cy="5970865"/>
           </a:xfrm>
           <a:prstGeom prst="rect">
             <a:avLst/>
@@ -22040,6 +22049,106 @@
             </a:endParaRPr>
           </a:p>
           <a:p>
+            <a:pPr marL="12700" marR="5080">
+              <a:spcBef>
+                <a:spcPts val="1395"/>
+              </a:spcBef>
+            </a:pPr>
+            <a:r>
+              <a:rPr lang="en-US" sz="3200" dirty="0">
+                <a:solidFill>
+                  <a:srgbClr val="0000FF"/>
+                </a:solidFill>
+                <a:latin typeface="Consolas"/>
+                <a:cs typeface="Consolas"/>
+              </a:rPr>
+              <a:t>&lt;</a:t>
+            </a:r>
+            <a:r>
+              <a:rPr lang="en-US" sz="3200" dirty="0">
+                <a:solidFill>
+                  <a:srgbClr val="7F007F"/>
+                </a:solidFill>
+                <a:latin typeface="Consolas"/>
+                <a:cs typeface="Consolas"/>
+              </a:rPr>
+              <a:t>div </a:t>
+            </a:r>
+            <a:r>
+              <a:rPr lang="en-US" sz="3200" dirty="0">
+                <a:solidFill>
+                  <a:srgbClr val="FF0000"/>
+                </a:solidFill>
+                <a:latin typeface="Consolas"/>
+                <a:cs typeface="Consolas"/>
+              </a:rPr>
+              <a:t>id</a:t>
+            </a:r>
+            <a:r>
+              <a:rPr lang="en-US" sz="3200" dirty="0">
+                <a:solidFill>
+                  <a:srgbClr val="0000FF"/>
+                </a:solidFill>
+                <a:latin typeface="Consolas"/>
+                <a:cs typeface="Consolas"/>
+              </a:rPr>
+              <a:t>="periodic"&gt;</a:t>
+            </a:r>
+            <a:r>
+              <a:rPr lang="en-US" sz="3200" spc="50" dirty="0">
+                <a:solidFill>
+                  <a:srgbClr val="5F5F5F"/>
+                </a:solidFill>
+                <a:latin typeface="Consolas" panose="020B0609020204030204" pitchFamily="49" charset="0"/>
+              </a:rPr>
+              <a:t>There can be only one</a:t>
+            </a:r>
+            <a:r>
+              <a:rPr lang="en-US" sz="3200" dirty="0">
+                <a:solidFill>
+                  <a:srgbClr val="0000FF"/>
+                </a:solidFill>
+                <a:latin typeface="Consolas"/>
+                <a:cs typeface="Consolas"/>
+              </a:rPr>
+              <a:t>&lt;/</a:t>
+            </a:r>
+            <a:r>
+              <a:rPr lang="en-US" sz="3200" dirty="0">
+                <a:solidFill>
+                  <a:srgbClr val="7F007F"/>
+                </a:solidFill>
+                <a:latin typeface="Consolas"/>
+                <a:cs typeface="Consolas"/>
+              </a:rPr>
+              <a:t>div</a:t>
+            </a:r>
+            <a:r>
+              <a:rPr lang="en-US" sz="3200" dirty="0">
+                <a:solidFill>
+                  <a:srgbClr val="0000FF"/>
+                </a:solidFill>
+                <a:latin typeface="Consolas"/>
+                <a:cs typeface="Consolas"/>
+              </a:rPr>
+              <a:t>&gt;</a:t>
+            </a:r>
+          </a:p>
+          <a:p>
+            <a:pPr marL="12700" marR="5080" lvl="0">
+              <a:spcBef>
+                <a:spcPts val="1395"/>
+              </a:spcBef>
+            </a:pPr>
+            <a:endParaRPr lang="en-US" sz="3200" dirty="0">
+              <a:solidFill>
+                <a:srgbClr val="FF0000"/>
+              </a:solidFill>
+              <a:latin typeface="Consolas"/>
+              <a:cs typeface="Lora"/>
+            </a:endParaRPr>
+          </a:p>
+          <a:p>
             <a:pPr marL="12700">
               <a:lnSpc>
                 <a:spcPct val="100000"/>
@@ -22109,20 +22218,6 @@
                 <a:spcPct val="100000"/>
               </a:lnSpc>
             </a:pPr>
-            <a:endParaRPr lang="en-US" sz="3200" b="1" spc="40" dirty="0">
-              <a:solidFill>
-                <a:srgbClr val="5F5F5F"/>
-              </a:solidFill>
-              <a:latin typeface="Georgia" panose="02040502050405020303" pitchFamily="18" charset="0"/>
-              <a:cs typeface="Lora"/>
-            </a:endParaRPr>
-          </a:p>
-          <a:p>
-            <a:pPr marL="12700">
-              <a:lnSpc>
-                <a:spcPct val="100000"/>
-              </a:lnSpc>
-            </a:pPr>
             <a:endParaRPr lang="en-US" sz="2400" b="1" spc="40" dirty="0">
               <a:solidFill>
                 <a:srgbClr val="5F5F5F"/>
@@ -22145,17 +22240,7 @@
                 <a:latin typeface="Consolas"/>
                 <a:cs typeface="Consolas"/>
               </a:rPr>
-              <a:t>#</a:t>
-            </a:r>
-            <a:r>
-              <a:rPr lang="en-US" sz="3200" dirty="0" err="1">
-                <a:solidFill>
-                  <a:srgbClr val="7F007F"/>
-                </a:solidFill>
-                <a:latin typeface="Consolas"/>
-                <a:cs typeface="Consolas"/>
-              </a:rPr>
-              <a:t>kittenContainer</a:t>
+              <a:t>#periodic</a:t>
             </a:r>
             <a:r>
               <a:rPr lang="en-US" sz="3200" dirty="0">
@@ -22185,7 +22270,7 @@
                 <a:latin typeface="Consolas"/>
                 <a:cs typeface="Consolas"/>
               </a:rPr>
-              <a:t>color</a:t>
+              <a:t>display</a:t>
             </a:r>
             <a:r>
               <a:rPr lang="en-US" sz="3200" dirty="0">
@@ -22195,7 +22280,7 @@
                 <a:latin typeface="Consolas"/>
                 <a:cs typeface="Consolas"/>
               </a:rPr>
-              <a:t>: gray; }</a:t>
+              <a:t>: table; }</a:t>
             </a:r>
           </a:p>
           <a:p>
@@ -22211,113 +22296,6 @@
               <a:latin typeface="Consolas"/>
               <a:cs typeface="Consolas"/>
             </a:endParaRPr>
-          </a:p>
-          <a:p>
-            <a:pPr marL="12700" marR="5080">
-              <a:spcBef>
-                <a:spcPts val="1395"/>
-              </a:spcBef>
-            </a:pPr>
-            <a:r>
-              <a:rPr lang="en-US" sz="3200" dirty="0">
-                <a:solidFill>
-                  <a:srgbClr val="0000FF"/>
-                </a:solidFill>
-                <a:latin typeface="Consolas"/>
-                <a:cs typeface="Consolas"/>
-              </a:rPr>
-              <a:t>&lt;</a:t>
-            </a:r>
-            <a:r>
-              <a:rPr lang="en-US" sz="3200" dirty="0">
-                <a:solidFill>
-                  <a:srgbClr val="7F007F"/>
-                </a:solidFill>
-                <a:latin typeface="Consolas"/>
-                <a:cs typeface="Consolas"/>
-              </a:rPr>
-              <a:t>div </a:t>
-            </a:r>
-            <a:r>
-              <a:rPr lang="en-US" sz="3200" dirty="0">
-                <a:solidFill>
-                  <a:srgbClr val="FF0000"/>
-                </a:solidFill>
-                <a:latin typeface="Consolas"/>
-                <a:cs typeface="Consolas"/>
-              </a:rPr>
-              <a:t>id</a:t>
-            </a:r>
-            <a:r>
-              <a:rPr lang="en-US" sz="3200" dirty="0">
-                <a:solidFill>
-                  <a:srgbClr val="0000FF"/>
-                </a:solidFill>
-                <a:latin typeface="Consolas"/>
-                <a:cs typeface="Consolas"/>
-              </a:rPr>
-              <a:t>="</a:t>
-            </a:r>
-            <a:r>
-              <a:rPr lang="en-US" sz="3200" dirty="0" err="1">
-                <a:solidFill>
-                  <a:srgbClr val="0000FF"/>
-                </a:solidFill>
-                <a:latin typeface="Consolas"/>
-                <a:cs typeface="Consolas"/>
-              </a:rPr>
-              <a:t>kittenContainer</a:t>
-            </a:r>
-            <a:r>
-              <a:rPr lang="en-US" sz="3200" dirty="0">
-                <a:solidFill>
-                  <a:srgbClr val="0000FF"/>
-                </a:solidFill>
-                <a:latin typeface="Consolas"/>
-                <a:cs typeface="Consolas"/>
-              </a:rPr>
-              <a:t>"&gt;</a:t>
-            </a:r>
-            <a:r>
-              <a:rPr lang="en-US" sz="3200" dirty="0">
-                <a:solidFill>
-                  <a:srgbClr val="5F5F5F"/>
-                </a:solidFill>
-                <a:latin typeface="Consolas"/>
-                <a:cs typeface="Consolas"/>
-              </a:rPr>
-              <a:t>This will be gray.</a:t>
-            </a:r>
-            <a:r>
-              <a:rPr lang="en-US" sz="3200" dirty="0">
-                <a:solidFill>
-                  <a:srgbClr val="0000FF"/>
-                </a:solidFill>
-                <a:latin typeface="Consolas"/>
-                <a:cs typeface="Consolas"/>
-              </a:rPr>
-              <a:t>&lt;/</a:t>
-            </a:r>
-            <a:r>
-              <a:rPr lang="en-US" sz="3200" dirty="0">
-                <a:solidFill>
-                  <a:srgbClr val="7F007F"/>
-                </a:solidFill>
-                <a:latin typeface="Consolas"/>
-                <a:cs typeface="Consolas"/>
-              </a:rPr>
-              <a:t>div</a:t>
-            </a:r>
-            <a:r>
-              <a:rPr lang="en-US" sz="3200" dirty="0">
-                <a:solidFill>
-                  <a:srgbClr val="0000FF"/>
-                </a:solidFill>
-                <a:latin typeface="Consolas"/>
-                <a:cs typeface="Consolas"/>
-              </a:rPr>
-              <a:t>&gt;</a:t>
-            </a:r>
           </a:p>
           <a:p>
             <a:pPr marL="12700" marR="5080" lvl="0">
